--- a/mod-06-customers/mod-06-customers.pptx
+++ b/mod-06-customers/mod-06-customers.pptx
@@ -368,7 +368,7 @@
               <a:rPr lang="en-US" smtClean="0">
                 <a:latin typeface="Segoe UI" pitchFamily="34" charset="0"/>
               </a:rPr>
-              <a:t>3/14/2016 6:18 PM</a:t>
+              <a:t>3/17/2016 4:53 PM</a:t>
             </a:fld>
             <a:endParaRPr lang="en-US" dirty="0">
               <a:latin typeface="Segoe UI" pitchFamily="34" charset="0"/>
@@ -665,7 +665,7 @@
           <a:p>
             <a:fld id="{38EEC551-8CDA-4EB6-89BB-2A86C9F091C8}" type="datetime8">
               <a:rPr lang="en-US" smtClean="0"/>
-              <a:t>3/14/2016 6:18 PM</a:t>
+              <a:t>3/17/2016 4:53 PM</a:t>
             </a:fld>
             <a:endParaRPr lang="en-US" dirty="0"/>
           </a:p>
@@ -1033,7 +1033,7 @@
           <a:p>
             <a:fld id="{90EC29EE-A8AD-4CE0-9C0B-116E0D4D7533}" type="datetime8">
               <a:rPr lang="en-US" smtClean="0"/>
-              <a:t>3/14/2016 6:18 PM</a:t>
+              <a:t>3/17/2016 4:53 PM</a:t>
             </a:fld>
             <a:endParaRPr lang="en-US" dirty="0"/>
           </a:p>
@@ -1198,7 +1198,7 @@
           <a:p>
             <a:fld id="{90EC29EE-A8AD-4CE0-9C0B-116E0D4D7533}" type="datetime8">
               <a:rPr lang="en-US" smtClean="0"/>
-              <a:t>3/14/2016 6:18 PM</a:t>
+              <a:t>3/17/2016 4:53 PM</a:t>
             </a:fld>
             <a:endParaRPr lang="en-US" dirty="0"/>
           </a:p>
@@ -1348,7 +1348,7 @@
                   <a:prstClr val="black"/>
                 </a:solidFill>
               </a:rPr>
-              <a:t>3/14/2016 6:18 PM</a:t>
+              <a:t>3/17/2016 4:53 PM</a:t>
             </a:fld>
             <a:endParaRPr lang="en-US" dirty="0">
               <a:solidFill>
@@ -7396,13 +7396,8 @@
           <a:p>
             <a:r>
               <a:rPr lang="en-US" sz="2800" dirty="0" smtClean="0"/>
-              <a:t>https</a:t>
-            </a:r>
-            <a:r>
-              <a:rPr lang="en-US" sz="2800" dirty="0" smtClean="0"/>
-              <a:t>://api.partnercenter.microsoft.com/v1/customers?size=25</a:t>
-            </a:r>
-            <a:endParaRPr lang="en-US" sz="2800" dirty="0" smtClean="0"/>
+              <a:t>https://api.partnercenter.microsoft.com/v1/customers?size=25</a:t>
+            </a:r>
           </a:p>
           <a:p>
             <a:endParaRPr lang="en-US" sz="2800" dirty="0" smtClean="0"/>
@@ -7604,13 +7599,8 @@
           <a:p>
             <a:r>
               <a:rPr lang="en-US" sz="2800" dirty="0" smtClean="0"/>
-              <a:t>https</a:t>
-            </a:r>
-            <a:r>
-              <a:rPr lang="en-US" sz="2800" dirty="0" smtClean="0"/>
-              <a:t>://api.partnercenter.microsoft.com/v1/customers?size=25&amp;filter={"Field":"DisplayName","Value":"A","Operator":"starts_with"} </a:t>
-            </a:r>
-            <a:endParaRPr lang="en-US" sz="2800" dirty="0" smtClean="0"/>
+              <a:t>https://api.partnercenter.microsoft.com/v1/customers?size=25&amp;filter={"Field":"DisplayName","Value":"A","Operator":"starts_with"} </a:t>
+            </a:r>
           </a:p>
           <a:p>
             <a:endParaRPr lang="en-US" sz="2800" dirty="0" smtClean="0"/>
@@ -7859,13 +7849,8 @@
             </a:r>
             <a:r>
               <a:rPr lang="en-US" sz="2800" dirty="0" smtClean="0"/>
-              <a:t>: </a:t>
-            </a:r>
-            <a:r>
-              <a:rPr lang="en-US" sz="2800" dirty="0" smtClean="0"/>
-              <a:t>"Wingtip Toys",</a:t>
-            </a:r>
-            <a:endParaRPr lang="en-US" sz="2800" dirty="0" smtClean="0"/>
+              <a:t>: "Wingtip Toys",</a:t>
+            </a:r>
           </a:p>
           <a:p>
             <a:r>
@@ -7874,17 +7859,8 @@
             </a:r>
             <a:r>
               <a:rPr lang="en-US" sz="2800" dirty="0" smtClean="0"/>
-              <a:t>     domain: </a:t>
-            </a:r>
-            <a:r>
-              <a:rPr lang="en-US" sz="2800" dirty="0" smtClean="0"/>
-              <a:t>"wingtiptoys.onmicrosoft.com</a:t>
-            </a:r>
-            <a:r>
-              <a:rPr lang="en-US" sz="2800" dirty="0" smtClean="0"/>
-              <a:t>"</a:t>
-            </a:r>
-            <a:endParaRPr lang="en-US" sz="2800" dirty="0" smtClean="0"/>
+              <a:t>     domain: "wingtiptoys.onmicrosoft.com"</a:t>
+            </a:r>
           </a:p>
           <a:p>
             <a:r>
@@ -8054,40 +8030,26 @@
                 <a:latin typeface="Courier New" panose="02070309020205020404" pitchFamily="49" charset="0"/>
                 <a:cs typeface="Courier New" panose="02070309020205020404" pitchFamily="49" charset="0"/>
               </a:rPr>
-              <a:t>   </a:t>
+              <a:t>   {</a:t>
+            </a:r>
+          </a:p>
+          <a:p>
+            <a:pPr marL="0" indent="0">
+              <a:buNone/>
+            </a:pPr>
+            <a:r>
+              <a:rPr lang="en-US" sz="3200" dirty="0">
+                <a:latin typeface="Courier New" panose="02070309020205020404" pitchFamily="49" charset="0"/>
+                <a:cs typeface="Courier New" panose="02070309020205020404" pitchFamily="49" charset="0"/>
+              </a:rPr>
+              <a:t> </a:t>
             </a:r>
             <a:r>
               <a:rPr lang="en-US" sz="3200" dirty="0" smtClean="0">
                 <a:latin typeface="Courier New" panose="02070309020205020404" pitchFamily="49" charset="0"/>
                 <a:cs typeface="Courier New" panose="02070309020205020404" pitchFamily="49" charset="0"/>
               </a:rPr>
-              <a:t>{</a:t>
-            </a:r>
-          </a:p>
-          <a:p>
-            <a:pPr marL="0" indent="0">
-              <a:buNone/>
-            </a:pPr>
-            <a:r>
-              <a:rPr lang="en-US" sz="3200" dirty="0">
-                <a:latin typeface="Courier New" panose="02070309020205020404" pitchFamily="49" charset="0"/>
-                <a:cs typeface="Courier New" panose="02070309020205020404" pitchFamily="49" charset="0"/>
-              </a:rPr>
-              <a:t> </a:t>
-            </a:r>
-            <a:r>
-              <a:rPr lang="en-US" sz="3200" dirty="0" smtClean="0">
-                <a:latin typeface="Courier New" panose="02070309020205020404" pitchFamily="49" charset="0"/>
-                <a:cs typeface="Courier New" panose="02070309020205020404" pitchFamily="49" charset="0"/>
-              </a:rPr>
-              <a:t>   </a:t>
-            </a:r>
-            <a:r>
-              <a:rPr lang="en-US" sz="3200" dirty="0" smtClean="0">
-                <a:latin typeface="Courier New" panose="02070309020205020404" pitchFamily="49" charset="0"/>
-                <a:cs typeface="Courier New" panose="02070309020205020404" pitchFamily="49" charset="0"/>
-              </a:rPr>
-              <a:t>"</a:t>
+              <a:t>   "</a:t>
             </a:r>
             <a:r>
               <a:rPr lang="en-US" sz="3200" dirty="0">
@@ -8154,54 +8116,40 @@
                 <a:latin typeface="Courier New" panose="02070309020205020404" pitchFamily="49" charset="0"/>
                 <a:cs typeface="Courier New" panose="02070309020205020404" pitchFamily="49" charset="0"/>
               </a:rPr>
-              <a:t>"</a:t>
+              <a:t>"Operator":"</a:t>
+            </a:r>
+            <a:r>
+              <a:rPr lang="en-US" sz="3200" dirty="0" err="1" smtClean="0">
+                <a:latin typeface="Courier New" panose="02070309020205020404" pitchFamily="49" charset="0"/>
+                <a:cs typeface="Courier New" panose="02070309020205020404" pitchFamily="49" charset="0"/>
+              </a:rPr>
+              <a:t>starts_with</a:t>
             </a:r>
             <a:r>
               <a:rPr lang="en-US" sz="3200" dirty="0" smtClean="0">
                 <a:latin typeface="Courier New" panose="02070309020205020404" pitchFamily="49" charset="0"/>
                 <a:cs typeface="Courier New" panose="02070309020205020404" pitchFamily="49" charset="0"/>
               </a:rPr>
-              <a:t>Operator":"</a:t>
-            </a:r>
-            <a:r>
-              <a:rPr lang="en-US" sz="3200" dirty="0" err="1" smtClean="0">
+              <a:t>"</a:t>
+            </a:r>
+          </a:p>
+          <a:p>
+            <a:pPr marL="0" indent="0">
+              <a:buNone/>
+            </a:pPr>
+            <a:r>
+              <a:rPr lang="en-US" sz="3200" dirty="0">
                 <a:latin typeface="Courier New" panose="02070309020205020404" pitchFamily="49" charset="0"/>
                 <a:cs typeface="Courier New" panose="02070309020205020404" pitchFamily="49" charset="0"/>
               </a:rPr>
-              <a:t>starts_with</a:t>
+              <a:t> </a:t>
             </a:r>
             <a:r>
               <a:rPr lang="en-US" sz="3200" dirty="0" smtClean="0">
                 <a:latin typeface="Courier New" panose="02070309020205020404" pitchFamily="49" charset="0"/>
                 <a:cs typeface="Courier New" panose="02070309020205020404" pitchFamily="49" charset="0"/>
               </a:rPr>
-              <a:t>"</a:t>
-            </a:r>
-          </a:p>
-          <a:p>
-            <a:pPr marL="0" indent="0">
-              <a:buNone/>
-            </a:pPr>
-            <a:r>
-              <a:rPr lang="en-US" sz="3200" dirty="0">
-                <a:latin typeface="Courier New" panose="02070309020205020404" pitchFamily="49" charset="0"/>
-                <a:cs typeface="Courier New" panose="02070309020205020404" pitchFamily="49" charset="0"/>
-              </a:rPr>
-              <a:t> </a:t>
-            </a:r>
-            <a:r>
-              <a:rPr lang="en-US" sz="3200" dirty="0" smtClean="0">
-                <a:latin typeface="Courier New" panose="02070309020205020404" pitchFamily="49" charset="0"/>
-                <a:cs typeface="Courier New" panose="02070309020205020404" pitchFamily="49" charset="0"/>
-              </a:rPr>
-              <a:t>  </a:t>
-            </a:r>
-            <a:r>
-              <a:rPr lang="en-US" sz="3200" dirty="0" smtClean="0">
-                <a:latin typeface="Courier New" panose="02070309020205020404" pitchFamily="49" charset="0"/>
-                <a:cs typeface="Courier New" panose="02070309020205020404" pitchFamily="49" charset="0"/>
-              </a:rPr>
-              <a:t>}</a:t>
+              <a:t>  }</a:t>
             </a:r>
             <a:endParaRPr lang="en-US" sz="2800" dirty="0">
               <a:latin typeface="Courier New" charset="0"/>
@@ -9199,15 +9147,7 @@
           <a:p>
             <a:r>
               <a:rPr lang="en-US" sz="2800" dirty="0" smtClean="0"/>
-              <a:t>https</a:t>
-            </a:r>
-            <a:r>
-              <a:rPr lang="en-US" sz="2800" dirty="0" smtClean="0"/>
-              <a:t>://api.partnercenter.microsoft.com</a:t>
-            </a:r>
-            <a:r>
-              <a:rPr lang="en-US" sz="2800" dirty="0" smtClean="0"/>
-              <a:t/>
+              <a:t>https://api.partnercenter.microsoft.com</a:t>
             </a:r>
             <a:br>
               <a:rPr lang="en-US" sz="2800" dirty="0" smtClean="0"/>
@@ -9461,13 +9401,8 @@
             </a:r>
             <a:r>
               <a:rPr lang="en-US" sz="2800" dirty="0" smtClean="0"/>
-              <a:t>: </a:t>
-            </a:r>
-            <a:r>
-              <a:rPr lang="en-US" sz="2800" dirty="0" smtClean="0"/>
-              <a:t>"Wingtip Toys",</a:t>
-            </a:r>
-            <a:endParaRPr lang="en-US" sz="2800" dirty="0" smtClean="0"/>
+              <a:t>: "Wingtip Toys",</a:t>
+            </a:r>
           </a:p>
           <a:p>
             <a:r>
@@ -9476,17 +9411,8 @@
             </a:r>
             <a:r>
               <a:rPr lang="en-US" sz="2800" dirty="0" smtClean="0"/>
-              <a:t>   domain: </a:t>
-            </a:r>
-            <a:r>
-              <a:rPr lang="en-US" sz="2800" dirty="0" smtClean="0"/>
-              <a:t>"wingtiptoys.onmicrosoft.com</a:t>
-            </a:r>
-            <a:r>
-              <a:rPr lang="en-US" sz="2800" dirty="0" smtClean="0"/>
-              <a:t>"</a:t>
-            </a:r>
-            <a:endParaRPr lang="en-US" sz="2800" dirty="0" smtClean="0"/>
+              <a:t>   domain: "wingtiptoys.onmicrosoft.com"</a:t>
+            </a:r>
           </a:p>
           <a:p>
             <a:r>
@@ -9879,18 +9805,7 @@
                 <a:ea typeface="Courier New" charset="0"/>
                 <a:cs typeface="Courier New" charset="0"/>
               </a:rPr>
-              <a:t>(customer</a:t>
-            </a:r>
-            <a:r>
-              <a:rPr lang="en-US" dirty="0" smtClean="0">
-                <a:solidFill>
-                  <a:srgbClr val="FFFFFF"/>
-                </a:solidFill>
-                <a:latin typeface="Courier New" charset="0"/>
-                <a:ea typeface="Courier New" charset="0"/>
-                <a:cs typeface="Courier New" charset="0"/>
-              </a:rPr>
-              <a:t>);</a:t>
+              <a:t>(customer);</a:t>
             </a:r>
             <a:endParaRPr lang="en-US" dirty="0" smtClean="0">
               <a:solidFill>
@@ -10699,13 +10614,8 @@
           <a:p>
             <a:r>
               <a:rPr lang="en-US" sz="2800" dirty="0" smtClean="0"/>
-              <a:t>https</a:t>
-            </a:r>
-            <a:r>
-              <a:rPr lang="en-US" sz="2800" dirty="0" smtClean="0"/>
-              <a:t>://api.partnercenter.microsoft.com/v1/customers </a:t>
-            </a:r>
-            <a:endParaRPr lang="en-US" sz="2800" dirty="0" smtClean="0"/>
+              <a:t>https://api.partnercenter.microsoft.com/v1/customers </a:t>
+            </a:r>
           </a:p>
           <a:p>
             <a:endParaRPr lang="en-US" sz="2800" dirty="0" smtClean="0"/>
@@ -11671,15 +11581,7 @@
           <a:p>
             <a:r>
               <a:rPr lang="en-US" sz="2800" dirty="0" smtClean="0"/>
-              <a:t>https</a:t>
-            </a:r>
-            <a:r>
-              <a:rPr lang="en-US" sz="2800" dirty="0" smtClean="0"/>
-              <a:t>://api.partnercenter.microsoft.com</a:t>
-            </a:r>
-            <a:r>
-              <a:rPr lang="en-US" sz="2800" dirty="0" smtClean="0"/>
-              <a:t/>
+              <a:t>https://api.partnercenter.microsoft.com</a:t>
             </a:r>
             <a:br>
               <a:rPr lang="en-US" sz="2800" dirty="0" smtClean="0"/>
@@ -13084,11 +12986,11 @@
             </a:r>
             <a:r>
               <a:rPr lang="en-US" sz="2800" dirty="0" smtClean="0"/>
-              <a:t>v1/validations/</a:t>
+              <a:t>v1/</a:t>
             </a:r>
             <a:r>
               <a:rPr lang="en-US" sz="2800" dirty="0" err="1" smtClean="0"/>
-              <a:t>marketspecificvalidationdata</a:t>
+              <a:t>countryvalidationrules</a:t>
             </a:r>
             <a:r>
               <a:rPr lang="en-US" sz="2800" dirty="0" smtClean="0"/>
@@ -15294,6 +15196,15 @@
 </file>
 
 <file path=customXml/item1.xml><?xml version="1.0" encoding="utf-8"?>
+<?mso-contentType ?>
+<FormTemplates xmlns="http://schemas.microsoft.com/sharepoint/v3/contenttype/forms">
+  <Display>DocumentLibraryForm</Display>
+  <Edit>DocumentLibraryForm</Edit>
+  <New>DocumentLibraryForm</New>
+</FormTemplates>
+</file>
+
+<file path=customXml/item2.xml><?xml version="1.0" encoding="utf-8"?>
 <ct:contentTypeSchema xmlns:ct="http://schemas.microsoft.com/office/2006/metadata/contentType" xmlns:ma="http://schemas.microsoft.com/office/2006/metadata/properties/metaAttributes" ct:_="" ma:_="" ma:contentTypeName="PresentationsDoc" ma:contentTypeID="0x01010046EBBE4F454C2C47A5E89CD935B1FC7800E83BCD34BAE21044A0567CF64FDFDE54" ma:contentTypeVersion="3" ma:contentTypeDescription="Create a new document." ma:contentTypeScope="" ma:versionID="ad0318b59f0baaa5619a87a276b8590a">
   <xsd:schema xmlns:xsd="http://www.w3.org/2001/XMLSchema" xmlns:xs="http://www.w3.org/2001/XMLSchema" xmlns:p="http://schemas.microsoft.com/office/2006/metadata/properties" xmlns:ns1="http://schemas.microsoft.com/sharepoint/v3" xmlns:ns2="12a172fe-0250-434a-85cf-03b10810c5e5" xmlns:ns3="230e9df3-be65-4c73-a93b-d1236ebd677e" targetNamespace="http://schemas.microsoft.com/office/2006/metadata/properties" ma:root="true" ma:fieldsID="26205b5b46d9ab9d881e0fa75366d1c2" ns1:_="" ns2:_="" ns3:_="">
     <xsd:import namespace="http://schemas.microsoft.com/sharepoint/v3"/>
@@ -15603,15 +15514,6 @@
 </ct:contentTypeSchema>
 </file>
 
-<file path=customXml/item2.xml><?xml version="1.0" encoding="utf-8"?>
-<?mso-contentType ?>
-<FormTemplates xmlns="http://schemas.microsoft.com/sharepoint/v3/contenttype/forms">
-  <Display>DocumentLibraryForm</Display>
-  <Edit>DocumentLibraryForm</Edit>
-  <New>DocumentLibraryForm</New>
-</FormTemplates>
-</file>
-
 <file path=customXml/item3.xml><?xml version="1.0" encoding="utf-8"?>
 <p:properties xmlns:p="http://schemas.microsoft.com/office/2006/metadata/properties" xmlns:xsi="http://www.w3.org/2001/XMLSchema-instance" xmlns:pc="http://schemas.microsoft.com/office/infopath/2007/PartnerControls">
   <documentManagement>
@@ -15690,6 +15592,14 @@
 </file>
 
 <file path=customXml/itemProps1.xml><?xml version="1.0" encoding="utf-8"?>
+<ds:datastoreItem xmlns:ds="http://schemas.openxmlformats.org/officeDocument/2006/customXml" ds:itemID="{758FDAC0-319D-4A54-8D8E-1D42CB1F8004}">
+  <ds:schemaRefs>
+    <ds:schemaRef ds:uri="http://schemas.microsoft.com/sharepoint/v3/contenttype/forms"/>
+  </ds:schemaRefs>
+</ds:datastoreItem>
+</file>
+
+<file path=customXml/itemProps2.xml><?xml version="1.0" encoding="utf-8"?>
 <ds:datastoreItem xmlns:ds="http://schemas.openxmlformats.org/officeDocument/2006/customXml" ds:itemID="{5D0DEFCE-63D4-4F88-8228-705C0AA70593}">
   <ds:schemaRefs>
     <ds:schemaRef ds:uri="http://schemas.microsoft.com/office/2006/metadata/contentType"/>
@@ -15705,14 +15615,6 @@
     <ds:schemaRef ds:uri="http://purl.org/dc/elements/1.1/"/>
     <ds:schemaRef ds:uri="http://purl.org/dc/terms/"/>
     <ds:schemaRef ds:uri="http://schemas.microsoft.com/internal/obd"/>
-  </ds:schemaRefs>
-</ds:datastoreItem>
-</file>
-
-<file path=customXml/itemProps2.xml><?xml version="1.0" encoding="utf-8"?>
-<ds:datastoreItem xmlns:ds="http://schemas.openxmlformats.org/officeDocument/2006/customXml" ds:itemID="{758FDAC0-319D-4A54-8D8E-1D42CB1F8004}">
-  <ds:schemaRefs>
-    <ds:schemaRef ds:uri="http://schemas.microsoft.com/sharepoint/v3/contenttype/forms"/>
   </ds:schemaRefs>
 </ds:datastoreItem>
 </file>
